--- a/documents/MiryVison-FunctionAnalysis.pptx
+++ b/documents/MiryVison-FunctionAnalysis.pptx
@@ -9,7 +9,12 @@
     <p:sldId id="259" r:id="rId3"/>
     <p:sldId id="257" r:id="rId4"/>
     <p:sldId id="258" r:id="rId5"/>
-    <p:sldId id="260" r:id="rId6"/>
+    <p:sldId id="261" r:id="rId6"/>
+    <p:sldId id="262" r:id="rId7"/>
+    <p:sldId id="263" r:id="rId8"/>
+    <p:sldId id="264" r:id="rId9"/>
+    <p:sldId id="265" r:id="rId10"/>
+    <p:sldId id="260" r:id="rId11"/>
   </p:sldIdLst>
   <p:sldSz cx="12192000" cy="6858000"/>
   <p:notesSz cx="6858000" cy="9144000"/>
@@ -108,6 +113,11 @@
       </a:defRPr>
     </a:lvl9pPr>
   </p:defaultTextStyle>
+  <p:extLst>
+    <p:ext uri="{EFAFB233-063F-42B5-8137-9DF3F51BA10A}">
+      <p15:sldGuideLst xmlns:p15="http://schemas.microsoft.com/office/powerpoint/2012/main"/>
+    </p:ext>
+  </p:extLst>
 </p:presentation>
 </file>
 
@@ -258,7 +268,7 @@
           <a:p>
             <a:fld id="{BA1A0FB9-03F1-4F63-9BC4-2C6E8E362E94}" type="datetimeFigureOut">
               <a:rPr lang="ko-KR" altLang="en-US" smtClean="0"/>
-              <a:t>2019-09-15</a:t>
+              <a:t>2019-09-22</a:t>
             </a:fld>
             <a:endParaRPr lang="ko-KR" altLang="en-US"/>
           </a:p>
@@ -456,7 +466,7 @@
           <a:p>
             <a:fld id="{BA1A0FB9-03F1-4F63-9BC4-2C6E8E362E94}" type="datetimeFigureOut">
               <a:rPr lang="ko-KR" altLang="en-US" smtClean="0"/>
-              <a:t>2019-09-15</a:t>
+              <a:t>2019-09-22</a:t>
             </a:fld>
             <a:endParaRPr lang="ko-KR" altLang="en-US"/>
           </a:p>
@@ -664,7 +674,7 @@
           <a:p>
             <a:fld id="{BA1A0FB9-03F1-4F63-9BC4-2C6E8E362E94}" type="datetimeFigureOut">
               <a:rPr lang="ko-KR" altLang="en-US" smtClean="0"/>
-              <a:t>2019-09-15</a:t>
+              <a:t>2019-09-22</a:t>
             </a:fld>
             <a:endParaRPr lang="ko-KR" altLang="en-US"/>
           </a:p>
@@ -862,7 +872,7 @@
           <a:p>
             <a:fld id="{BA1A0FB9-03F1-4F63-9BC4-2C6E8E362E94}" type="datetimeFigureOut">
               <a:rPr lang="ko-KR" altLang="en-US" smtClean="0"/>
-              <a:t>2019-09-15</a:t>
+              <a:t>2019-09-22</a:t>
             </a:fld>
             <a:endParaRPr lang="ko-KR" altLang="en-US"/>
           </a:p>
@@ -1137,7 +1147,7 @@
           <a:p>
             <a:fld id="{BA1A0FB9-03F1-4F63-9BC4-2C6E8E362E94}" type="datetimeFigureOut">
               <a:rPr lang="ko-KR" altLang="en-US" smtClean="0"/>
-              <a:t>2019-09-15</a:t>
+              <a:t>2019-09-22</a:t>
             </a:fld>
             <a:endParaRPr lang="ko-KR" altLang="en-US"/>
           </a:p>
@@ -1402,7 +1412,7 @@
           <a:p>
             <a:fld id="{BA1A0FB9-03F1-4F63-9BC4-2C6E8E362E94}" type="datetimeFigureOut">
               <a:rPr lang="ko-KR" altLang="en-US" smtClean="0"/>
-              <a:t>2019-09-15</a:t>
+              <a:t>2019-09-22</a:t>
             </a:fld>
             <a:endParaRPr lang="ko-KR" altLang="en-US"/>
           </a:p>
@@ -1814,7 +1824,7 @@
           <a:p>
             <a:fld id="{BA1A0FB9-03F1-4F63-9BC4-2C6E8E362E94}" type="datetimeFigureOut">
               <a:rPr lang="ko-KR" altLang="en-US" smtClean="0"/>
-              <a:t>2019-09-15</a:t>
+              <a:t>2019-09-22</a:t>
             </a:fld>
             <a:endParaRPr lang="ko-KR" altLang="en-US"/>
           </a:p>
@@ -1955,7 +1965,7 @@
           <a:p>
             <a:fld id="{BA1A0FB9-03F1-4F63-9BC4-2C6E8E362E94}" type="datetimeFigureOut">
               <a:rPr lang="ko-KR" altLang="en-US" smtClean="0"/>
-              <a:t>2019-09-15</a:t>
+              <a:t>2019-09-22</a:t>
             </a:fld>
             <a:endParaRPr lang="ko-KR" altLang="en-US"/>
           </a:p>
@@ -2068,7 +2078,7 @@
           <a:p>
             <a:fld id="{BA1A0FB9-03F1-4F63-9BC4-2C6E8E362E94}" type="datetimeFigureOut">
               <a:rPr lang="ko-KR" altLang="en-US" smtClean="0"/>
-              <a:t>2019-09-15</a:t>
+              <a:t>2019-09-22</a:t>
             </a:fld>
             <a:endParaRPr lang="ko-KR" altLang="en-US"/>
           </a:p>
@@ -2379,7 +2389,7 @@
           <a:p>
             <a:fld id="{BA1A0FB9-03F1-4F63-9BC4-2C6E8E362E94}" type="datetimeFigureOut">
               <a:rPr lang="ko-KR" altLang="en-US" smtClean="0"/>
-              <a:t>2019-09-15</a:t>
+              <a:t>2019-09-22</a:t>
             </a:fld>
             <a:endParaRPr lang="ko-KR" altLang="en-US"/>
           </a:p>
@@ -2667,7 +2677,7 @@
           <a:p>
             <a:fld id="{BA1A0FB9-03F1-4F63-9BC4-2C6E8E362E94}" type="datetimeFigureOut">
               <a:rPr lang="ko-KR" altLang="en-US" smtClean="0"/>
-              <a:t>2019-09-15</a:t>
+              <a:t>2019-09-22</a:t>
             </a:fld>
             <a:endParaRPr lang="ko-KR" altLang="en-US"/>
           </a:p>
@@ -2908,7 +2918,7 @@
           <a:p>
             <a:fld id="{BA1A0FB9-03F1-4F63-9BC4-2C6E8E362E94}" type="datetimeFigureOut">
               <a:rPr lang="ko-KR" altLang="en-US" smtClean="0"/>
-              <a:t>2019-09-15</a:t>
+              <a:t>2019-09-22</a:t>
             </a:fld>
             <a:endParaRPr lang="ko-KR" altLang="en-US"/>
           </a:p>
@@ -3388,6 +3398,108 @@
 </p:sld>
 </file>
 
+<file path=ppt/slides/slide10.xml><?xml version="1.0" encoding="utf-8"?>
+<p:sld xmlns:a="http://schemas.openxmlformats.org/drawingml/2006/main" xmlns:r="http://schemas.openxmlformats.org/officeDocument/2006/relationships" xmlns:p="http://schemas.openxmlformats.org/presentationml/2006/main">
+  <p:cSld>
+    <p:spTree>
+      <p:nvGrpSpPr>
+        <p:cNvPr id="1" name=""/>
+        <p:cNvGrpSpPr/>
+        <p:nvPr/>
+      </p:nvGrpSpPr>
+      <p:grpSpPr>
+        <a:xfrm>
+          <a:off x="0" y="0"/>
+          <a:ext cx="0" cy="0"/>
+          <a:chOff x="0" y="0"/>
+          <a:chExt cx="0" cy="0"/>
+        </a:xfrm>
+      </p:grpSpPr>
+      <p:sp>
+        <p:nvSpPr>
+          <p:cNvPr id="2" name="제목 1">
+            <a:extLst>
+              <a:ext uri="{FF2B5EF4-FFF2-40B4-BE49-F238E27FC236}">
+                <a16:creationId xmlns:a16="http://schemas.microsoft.com/office/drawing/2014/main" id="{DD51FCBB-998D-4CAA-91F1-18F84A600C0D}"/>
+              </a:ext>
+            </a:extLst>
+          </p:cNvPr>
+          <p:cNvSpPr>
+            <a:spLocks noGrp="1"/>
+          </p:cNvSpPr>
+          <p:nvPr>
+            <p:ph type="title"/>
+          </p:nvPr>
+        </p:nvSpPr>
+        <p:spPr/>
+        <p:txBody>
+          <a:bodyPr/>
+          <a:lstStyle/>
+          <a:p>
+            <a:r>
+              <a:rPr lang="en-US" altLang="ko-KR" dirty="0" err="1"/>
+              <a:t>NotificationManagement</a:t>
+            </a:r>
+            <a:r>
+              <a:rPr lang="en-US" altLang="ko-KR" dirty="0"/>
+              <a:t> </a:t>
+            </a:r>
+            <a:r>
+              <a:rPr lang="ko-KR" altLang="en-US" dirty="0"/>
+              <a:t>공지사항</a:t>
+            </a:r>
+          </a:p>
+        </p:txBody>
+      </p:sp>
+      <p:pic>
+        <p:nvPicPr>
+          <p:cNvPr id="6" name="그림 5" descr="스크린샷이(가) 표시된 사진&#10;&#10;자동 생성된 설명">
+            <a:extLst>
+              <a:ext uri="{FF2B5EF4-FFF2-40B4-BE49-F238E27FC236}">
+                <a16:creationId xmlns:a16="http://schemas.microsoft.com/office/drawing/2014/main" id="{1B894AF5-769F-4D60-9503-CDB745B4814E}"/>
+              </a:ext>
+            </a:extLst>
+          </p:cNvPr>
+          <p:cNvPicPr>
+            <a:picLocks noChangeAspect="1"/>
+          </p:cNvPicPr>
+          <p:nvPr/>
+        </p:nvPicPr>
+        <p:blipFill>
+          <a:blip r:embed="rId2">
+            <a:extLst>
+              <a:ext uri="{28A0092B-C50C-407E-A947-70E740481C1C}">
+                <a14:useLocalDpi xmlns:a14="http://schemas.microsoft.com/office/drawing/2010/main" val="0"/>
+              </a:ext>
+            </a:extLst>
+          </a:blip>
+          <a:stretch>
+            <a:fillRect/>
+          </a:stretch>
+        </p:blipFill>
+        <p:spPr>
+          <a:xfrm>
+            <a:off x="2291006" y="1593289"/>
+            <a:ext cx="6983624" cy="4966132"/>
+          </a:xfrm>
+          <a:prstGeom prst="rect">
+            <a:avLst/>
+          </a:prstGeom>
+        </p:spPr>
+      </p:pic>
+    </p:spTree>
+    <p:extLst>
+      <p:ext uri="{BB962C8B-B14F-4D97-AF65-F5344CB8AC3E}">
+        <p14:creationId xmlns:p14="http://schemas.microsoft.com/office/powerpoint/2010/main" val="1089626979"/>
+      </p:ext>
+    </p:extLst>
+  </p:cSld>
+  <p:clrMapOvr>
+    <a:masterClrMapping/>
+  </p:clrMapOvr>
+</p:sld>
+</file>
+
 <file path=ppt/slides/slide2.xml><?xml version="1.0" encoding="utf-8"?>
 <p:sld xmlns:a="http://schemas.openxmlformats.org/drawingml/2006/main" xmlns:r="http://schemas.openxmlformats.org/officeDocument/2006/relationships" xmlns:p="http://schemas.openxmlformats.org/presentationml/2006/main">
   <p:cSld>
@@ -8379,7 +8491,7 @@
           <p:cNvPr id="2" name="제목 1">
             <a:extLst>
               <a:ext uri="{FF2B5EF4-FFF2-40B4-BE49-F238E27FC236}">
-                <a16:creationId xmlns:a16="http://schemas.microsoft.com/office/drawing/2014/main" id="{DD51FCBB-998D-4CAA-91F1-18F84A600C0D}"/>
+                <a16:creationId xmlns:a16="http://schemas.microsoft.com/office/drawing/2014/main" id="{C548D669-AAAF-420C-AD66-BA1480BEFCCF}"/>
               </a:ext>
             </a:extLst>
           </p:cNvPr>
@@ -8396,60 +8508,386 @@
           <a:lstStyle/>
           <a:p>
             <a:r>
-              <a:rPr lang="en-US" altLang="ko-KR" dirty="0" err="1"/>
-              <a:t>NotificationManagement</a:t>
+              <a:rPr lang="en-US" altLang="zh-CN" dirty="0" err="1"/>
+              <a:t>sys_user</a:t>
             </a:r>
-            <a:r>
-              <a:rPr lang="en-US" altLang="ko-KR" dirty="0"/>
-              <a:t> </a:t>
-            </a:r>
-            <a:r>
-              <a:rPr lang="ko-KR" altLang="en-US" dirty="0"/>
-              <a:t>공지사항</a:t>
-            </a:r>
+            <a:endParaRPr lang="zh-CN" altLang="en-US" dirty="0"/>
           </a:p>
         </p:txBody>
       </p:sp>
-      <p:pic>
-        <p:nvPicPr>
-          <p:cNvPr id="6" name="그림 5" descr="스크린샷이(가) 표시된 사진&#10;&#10;자동 생성된 설명">
+      <p:sp>
+        <p:nvSpPr>
+          <p:cNvPr id="3" name="내용 개체 틀 2">
             <a:extLst>
               <a:ext uri="{FF2B5EF4-FFF2-40B4-BE49-F238E27FC236}">
-                <a16:creationId xmlns:a16="http://schemas.microsoft.com/office/drawing/2014/main" id="{1B894AF5-769F-4D60-9503-CDB745B4814E}"/>
+                <a16:creationId xmlns:a16="http://schemas.microsoft.com/office/drawing/2014/main" id="{78074105-693F-45B8-8E2A-A6EF1A5403E5}"/>
               </a:ext>
             </a:extLst>
           </p:cNvPr>
-          <p:cNvPicPr>
-            <a:picLocks noChangeAspect="1"/>
-          </p:cNvPicPr>
-          <p:nvPr/>
-        </p:nvPicPr>
-        <p:blipFill>
-          <a:blip r:embed="rId2">
-            <a:extLst>
-              <a:ext uri="{28A0092B-C50C-407E-A947-70E740481C1C}">
-                <a14:useLocalDpi xmlns:a14="http://schemas.microsoft.com/office/drawing/2010/main" val="0"/>
-              </a:ext>
-            </a:extLst>
-          </a:blip>
-          <a:stretch>
-            <a:fillRect/>
-          </a:stretch>
-        </p:blipFill>
-        <p:spPr>
-          <a:xfrm>
-            <a:off x="2291006" y="1593289"/>
-            <a:ext cx="6983624" cy="4966132"/>
-          </a:xfrm>
-          <a:prstGeom prst="rect">
-            <a:avLst/>
-          </a:prstGeom>
-        </p:spPr>
-      </p:pic>
+          <p:cNvSpPr>
+            <a:spLocks noGrp="1"/>
+          </p:cNvSpPr>
+          <p:nvPr>
+            <p:ph idx="1"/>
+          </p:nvPr>
+        </p:nvSpPr>
+        <p:spPr/>
+        <p:txBody>
+          <a:bodyPr/>
+          <a:lstStyle/>
+          <a:p>
+            <a:r>
+              <a:rPr lang="en-US" altLang="zh-CN" dirty="0"/>
+              <a:t>User:</a:t>
+            </a:r>
+            <a:endParaRPr lang="zh-CN" altLang="en-US" dirty="0"/>
+          </a:p>
+        </p:txBody>
+      </p:sp>
     </p:spTree>
     <p:extLst>
       <p:ext uri="{BB962C8B-B14F-4D97-AF65-F5344CB8AC3E}">
-        <p14:creationId xmlns:p14="http://schemas.microsoft.com/office/powerpoint/2010/main" val="1089626979"/>
+        <p14:creationId xmlns:p14="http://schemas.microsoft.com/office/powerpoint/2010/main" val="2865035755"/>
+      </p:ext>
+    </p:extLst>
+  </p:cSld>
+  <p:clrMapOvr>
+    <a:masterClrMapping/>
+  </p:clrMapOvr>
+</p:sld>
+</file>
+
+<file path=ppt/slides/slide6.xml><?xml version="1.0" encoding="utf-8"?>
+<p:sld xmlns:a="http://schemas.openxmlformats.org/drawingml/2006/main" xmlns:r="http://schemas.openxmlformats.org/officeDocument/2006/relationships" xmlns:p="http://schemas.openxmlformats.org/presentationml/2006/main">
+  <p:cSld>
+    <p:spTree>
+      <p:nvGrpSpPr>
+        <p:cNvPr id="1" name=""/>
+        <p:cNvGrpSpPr/>
+        <p:nvPr/>
+      </p:nvGrpSpPr>
+      <p:grpSpPr>
+        <a:xfrm>
+          <a:off x="0" y="0"/>
+          <a:ext cx="0" cy="0"/>
+          <a:chOff x="0" y="0"/>
+          <a:chExt cx="0" cy="0"/>
+        </a:xfrm>
+      </p:grpSpPr>
+      <p:sp>
+        <p:nvSpPr>
+          <p:cNvPr id="2" name="제목 1">
+            <a:extLst>
+              <a:ext uri="{FF2B5EF4-FFF2-40B4-BE49-F238E27FC236}">
+                <a16:creationId xmlns:a16="http://schemas.microsoft.com/office/drawing/2014/main" id="{A172F742-B799-40E3-BF8D-30949A3DAF2F}"/>
+              </a:ext>
+            </a:extLst>
+          </p:cNvPr>
+          <p:cNvSpPr>
+            <a:spLocks noGrp="1"/>
+          </p:cNvSpPr>
+          <p:nvPr>
+            <p:ph type="title"/>
+          </p:nvPr>
+        </p:nvSpPr>
+        <p:spPr/>
+        <p:txBody>
+          <a:bodyPr/>
+          <a:lstStyle/>
+          <a:p>
+            <a:r>
+              <a:rPr lang="en-US" altLang="zh-CN" dirty="0" err="1"/>
+              <a:t>sys_role</a:t>
+            </a:r>
+            <a:endParaRPr lang="zh-CN" altLang="en-US" dirty="0"/>
+          </a:p>
+        </p:txBody>
+      </p:sp>
+      <p:sp>
+        <p:nvSpPr>
+          <p:cNvPr id="3" name="내용 개체 틀 2">
+            <a:extLst>
+              <a:ext uri="{FF2B5EF4-FFF2-40B4-BE49-F238E27FC236}">
+                <a16:creationId xmlns:a16="http://schemas.microsoft.com/office/drawing/2014/main" id="{00BDCD85-C51A-4F9A-85C3-9F79E7A6E361}"/>
+              </a:ext>
+            </a:extLst>
+          </p:cNvPr>
+          <p:cNvSpPr>
+            <a:spLocks noGrp="1"/>
+          </p:cNvSpPr>
+          <p:nvPr>
+            <p:ph idx="1"/>
+          </p:nvPr>
+        </p:nvSpPr>
+        <p:spPr/>
+        <p:txBody>
+          <a:bodyPr/>
+          <a:lstStyle/>
+          <a:p>
+            <a:r>
+              <a:rPr lang="en-US" altLang="zh-CN" dirty="0"/>
+              <a:t>Role:</a:t>
+            </a:r>
+            <a:endParaRPr lang="zh-CN" altLang="en-US" dirty="0"/>
+          </a:p>
+        </p:txBody>
+      </p:sp>
+    </p:spTree>
+    <p:extLst>
+      <p:ext uri="{BB962C8B-B14F-4D97-AF65-F5344CB8AC3E}">
+        <p14:creationId xmlns:p14="http://schemas.microsoft.com/office/powerpoint/2010/main" val="2032938497"/>
+      </p:ext>
+    </p:extLst>
+  </p:cSld>
+  <p:clrMapOvr>
+    <a:masterClrMapping/>
+  </p:clrMapOvr>
+</p:sld>
+</file>
+
+<file path=ppt/slides/slide7.xml><?xml version="1.0" encoding="utf-8"?>
+<p:sld xmlns:a="http://schemas.openxmlformats.org/drawingml/2006/main" xmlns:r="http://schemas.openxmlformats.org/officeDocument/2006/relationships" xmlns:p="http://schemas.openxmlformats.org/presentationml/2006/main">
+  <p:cSld>
+    <p:spTree>
+      <p:nvGrpSpPr>
+        <p:cNvPr id="1" name=""/>
+        <p:cNvGrpSpPr/>
+        <p:nvPr/>
+      </p:nvGrpSpPr>
+      <p:grpSpPr>
+        <a:xfrm>
+          <a:off x="0" y="0"/>
+          <a:ext cx="0" cy="0"/>
+          <a:chOff x="0" y="0"/>
+          <a:chExt cx="0" cy="0"/>
+        </a:xfrm>
+      </p:grpSpPr>
+      <p:sp>
+        <p:nvSpPr>
+          <p:cNvPr id="2" name="제목 1">
+            <a:extLst>
+              <a:ext uri="{FF2B5EF4-FFF2-40B4-BE49-F238E27FC236}">
+                <a16:creationId xmlns:a16="http://schemas.microsoft.com/office/drawing/2014/main" id="{0FA2F6FC-FF4A-4AA9-BB84-04FE0072D638}"/>
+              </a:ext>
+            </a:extLst>
+          </p:cNvPr>
+          <p:cNvSpPr>
+            <a:spLocks noGrp="1"/>
+          </p:cNvSpPr>
+          <p:nvPr>
+            <p:ph type="title"/>
+          </p:nvPr>
+        </p:nvSpPr>
+        <p:spPr/>
+        <p:txBody>
+          <a:bodyPr/>
+          <a:lstStyle/>
+          <a:p>
+            <a:r>
+              <a:rPr lang="en-US" altLang="zh-CN" dirty="0" err="1"/>
+              <a:t>sys_user_role</a:t>
+            </a:r>
+            <a:endParaRPr lang="zh-CN" altLang="en-US" dirty="0"/>
+          </a:p>
+        </p:txBody>
+      </p:sp>
+      <p:sp>
+        <p:nvSpPr>
+          <p:cNvPr id="3" name="내용 개체 틀 2">
+            <a:extLst>
+              <a:ext uri="{FF2B5EF4-FFF2-40B4-BE49-F238E27FC236}">
+                <a16:creationId xmlns:a16="http://schemas.microsoft.com/office/drawing/2014/main" id="{3512A11D-8642-4BF6-A08C-67AA611F080E}"/>
+              </a:ext>
+            </a:extLst>
+          </p:cNvPr>
+          <p:cNvSpPr>
+            <a:spLocks noGrp="1"/>
+          </p:cNvSpPr>
+          <p:nvPr>
+            <p:ph idx="1"/>
+          </p:nvPr>
+        </p:nvSpPr>
+        <p:spPr/>
+        <p:txBody>
+          <a:bodyPr/>
+          <a:lstStyle/>
+          <a:p>
+            <a:endParaRPr lang="zh-CN" altLang="en-US"/>
+          </a:p>
+        </p:txBody>
+      </p:sp>
+    </p:spTree>
+    <p:extLst>
+      <p:ext uri="{BB962C8B-B14F-4D97-AF65-F5344CB8AC3E}">
+        <p14:creationId xmlns:p14="http://schemas.microsoft.com/office/powerpoint/2010/main" val="3827467299"/>
+      </p:ext>
+    </p:extLst>
+  </p:cSld>
+  <p:clrMapOvr>
+    <a:masterClrMapping/>
+  </p:clrMapOvr>
+</p:sld>
+</file>
+
+<file path=ppt/slides/slide8.xml><?xml version="1.0" encoding="utf-8"?>
+<p:sld xmlns:a="http://schemas.openxmlformats.org/drawingml/2006/main" xmlns:r="http://schemas.openxmlformats.org/officeDocument/2006/relationships" xmlns:p="http://schemas.openxmlformats.org/presentationml/2006/main">
+  <p:cSld>
+    <p:spTree>
+      <p:nvGrpSpPr>
+        <p:cNvPr id="1" name=""/>
+        <p:cNvGrpSpPr/>
+        <p:nvPr/>
+      </p:nvGrpSpPr>
+      <p:grpSpPr>
+        <a:xfrm>
+          <a:off x="0" y="0"/>
+          <a:ext cx="0" cy="0"/>
+          <a:chOff x="0" y="0"/>
+          <a:chExt cx="0" cy="0"/>
+        </a:xfrm>
+      </p:grpSpPr>
+      <p:sp>
+        <p:nvSpPr>
+          <p:cNvPr id="2" name="제목 1">
+            <a:extLst>
+              <a:ext uri="{FF2B5EF4-FFF2-40B4-BE49-F238E27FC236}">
+                <a16:creationId xmlns:a16="http://schemas.microsoft.com/office/drawing/2014/main" id="{F53FD18A-2774-4079-8EC7-ACFCA7D22885}"/>
+              </a:ext>
+            </a:extLst>
+          </p:cNvPr>
+          <p:cNvSpPr>
+            <a:spLocks noGrp="1"/>
+          </p:cNvSpPr>
+          <p:nvPr>
+            <p:ph type="title"/>
+          </p:nvPr>
+        </p:nvSpPr>
+        <p:spPr/>
+        <p:txBody>
+          <a:bodyPr/>
+          <a:lstStyle/>
+          <a:p>
+            <a:r>
+              <a:rPr lang="en-US" altLang="zh-CN" dirty="0" err="1"/>
+              <a:t>sys_permission</a:t>
+            </a:r>
+            <a:endParaRPr lang="zh-CN" altLang="en-US" dirty="0"/>
+          </a:p>
+        </p:txBody>
+      </p:sp>
+      <p:sp>
+        <p:nvSpPr>
+          <p:cNvPr id="3" name="내용 개체 틀 2">
+            <a:extLst>
+              <a:ext uri="{FF2B5EF4-FFF2-40B4-BE49-F238E27FC236}">
+                <a16:creationId xmlns:a16="http://schemas.microsoft.com/office/drawing/2014/main" id="{40BC9023-D950-4C4C-A2F9-00984D50DE30}"/>
+              </a:ext>
+            </a:extLst>
+          </p:cNvPr>
+          <p:cNvSpPr>
+            <a:spLocks noGrp="1"/>
+          </p:cNvSpPr>
+          <p:nvPr>
+            <p:ph idx="1"/>
+          </p:nvPr>
+        </p:nvSpPr>
+        <p:spPr/>
+        <p:txBody>
+          <a:bodyPr/>
+          <a:lstStyle/>
+          <a:p>
+            <a:endParaRPr lang="zh-CN" altLang="en-US"/>
+          </a:p>
+        </p:txBody>
+      </p:sp>
+    </p:spTree>
+    <p:extLst>
+      <p:ext uri="{BB962C8B-B14F-4D97-AF65-F5344CB8AC3E}">
+        <p14:creationId xmlns:p14="http://schemas.microsoft.com/office/powerpoint/2010/main" val="1458135117"/>
+      </p:ext>
+    </p:extLst>
+  </p:cSld>
+  <p:clrMapOvr>
+    <a:masterClrMapping/>
+  </p:clrMapOvr>
+</p:sld>
+</file>
+
+<file path=ppt/slides/slide9.xml><?xml version="1.0" encoding="utf-8"?>
+<p:sld xmlns:a="http://schemas.openxmlformats.org/drawingml/2006/main" xmlns:r="http://schemas.openxmlformats.org/officeDocument/2006/relationships" xmlns:p="http://schemas.openxmlformats.org/presentationml/2006/main">
+  <p:cSld>
+    <p:spTree>
+      <p:nvGrpSpPr>
+        <p:cNvPr id="1" name=""/>
+        <p:cNvGrpSpPr/>
+        <p:nvPr/>
+      </p:nvGrpSpPr>
+      <p:grpSpPr>
+        <a:xfrm>
+          <a:off x="0" y="0"/>
+          <a:ext cx="0" cy="0"/>
+          <a:chOff x="0" y="0"/>
+          <a:chExt cx="0" cy="0"/>
+        </a:xfrm>
+      </p:grpSpPr>
+      <p:sp>
+        <p:nvSpPr>
+          <p:cNvPr id="2" name="제목 1">
+            <a:extLst>
+              <a:ext uri="{FF2B5EF4-FFF2-40B4-BE49-F238E27FC236}">
+                <a16:creationId xmlns:a16="http://schemas.microsoft.com/office/drawing/2014/main" id="{8241A723-6BB7-45BB-9602-FC83EB6C6FEF}"/>
+              </a:ext>
+            </a:extLst>
+          </p:cNvPr>
+          <p:cNvSpPr>
+            <a:spLocks noGrp="1"/>
+          </p:cNvSpPr>
+          <p:nvPr>
+            <p:ph type="title"/>
+          </p:nvPr>
+        </p:nvSpPr>
+        <p:spPr/>
+        <p:txBody>
+          <a:bodyPr/>
+          <a:lstStyle/>
+          <a:p>
+            <a:r>
+              <a:rPr lang="en-US" altLang="zh-CN" dirty="0" err="1"/>
+              <a:t>role_permission</a:t>
+            </a:r>
+            <a:endParaRPr lang="zh-CN" altLang="en-US" dirty="0"/>
+          </a:p>
+        </p:txBody>
+      </p:sp>
+      <p:sp>
+        <p:nvSpPr>
+          <p:cNvPr id="3" name="내용 개체 틀 2">
+            <a:extLst>
+              <a:ext uri="{FF2B5EF4-FFF2-40B4-BE49-F238E27FC236}">
+                <a16:creationId xmlns:a16="http://schemas.microsoft.com/office/drawing/2014/main" id="{C877DEFD-9C16-4882-AFEC-85C701F5F753}"/>
+              </a:ext>
+            </a:extLst>
+          </p:cNvPr>
+          <p:cNvSpPr>
+            <a:spLocks noGrp="1"/>
+          </p:cNvSpPr>
+          <p:nvPr>
+            <p:ph idx="1"/>
+          </p:nvPr>
+        </p:nvSpPr>
+        <p:spPr/>
+        <p:txBody>
+          <a:bodyPr/>
+          <a:lstStyle/>
+          <a:p>
+            <a:endParaRPr lang="zh-CN" altLang="en-US"/>
+          </a:p>
+        </p:txBody>
+      </p:sp>
+    </p:spTree>
+    <p:extLst>
+      <p:ext uri="{BB962C8B-B14F-4D97-AF65-F5344CB8AC3E}">
+        <p14:creationId xmlns:p14="http://schemas.microsoft.com/office/powerpoint/2010/main" val="2559905404"/>
       </p:ext>
     </p:extLst>
   </p:cSld>
